--- a/materials/12 reticulate/12 Reticulate.pptx
+++ b/materials/12 reticulate/12 Reticulate.pptx
@@ -4229,7 +4229,7 @@
         </p:blipFill>
         <p:spPr>
           <a:xfrm>
-            <a:off x="413265" y="4334304"/>
+            <a:off x="425621" y="4062455"/>
             <a:ext cx="8401548" cy="1374518"/>
           </a:xfrm>
           <a:prstGeom prst="rect">
@@ -4237,6 +4237,46 @@
           </a:prstGeom>
         </p:spPr>
       </p:pic>
+      <p:sp>
+        <p:nvSpPr>
+          <p:cNvPr id="6" name="Rectangle 5">
+            <a:extLst>
+              <a:ext uri="{FF2B5EF4-FFF2-40B4-BE49-F238E27FC236}">
+                <a16:creationId xmlns:a16="http://schemas.microsoft.com/office/drawing/2014/main" id="{6E8749BE-4E95-124B-8662-0DA0590CFAA3}"/>
+              </a:ext>
+            </a:extLst>
+          </p:cNvPr>
+          <p:cNvSpPr/>
+          <p:nvPr/>
+        </p:nvSpPr>
+        <p:spPr>
+          <a:xfrm>
+            <a:off x="704335" y="5799608"/>
+            <a:ext cx="8439665" cy="369332"/>
+          </a:xfrm>
+          <a:prstGeom prst="rect">
+            <a:avLst/>
+          </a:prstGeom>
+        </p:spPr>
+        <p:txBody>
+          <a:bodyPr wrap="square">
+            <a:spAutoFit/>
+          </a:bodyPr>
+          <a:lstStyle/>
+          <a:p>
+            <a:r>
+              <a:rPr lang="en-US" dirty="0">
+                <a:hlinkClick r:id="rId3"/>
+              </a:rPr>
+              <a:t>https://github.com/JimDuggan/CT5102/tree/master/code/course/12%20reticulate</a:t>
+            </a:r>
+            <a:r>
+              <a:rPr lang="en-US" dirty="0"/>
+              <a:t> </a:t>
+            </a:r>
+          </a:p>
+        </p:txBody>
+      </p:sp>
     </p:spTree>
     <p:extLst>
       <p:ext uri="{BB962C8B-B14F-4D97-AF65-F5344CB8AC3E}">
@@ -5304,8 +5344,13 @@
           <a:p>
             <a:r>
               <a:rPr lang="en-US" dirty="0"/>
-              <a:t>Python Package</a:t>
-            </a:r>
+              <a:t>Sample Python Package </a:t>
+            </a:r>
+            <a:r>
+              <a:rPr lang="en-US" dirty="0" err="1"/>
+              <a:t>mystats</a:t>
+            </a:r>
+            <a:endParaRPr lang="en-US" dirty="0"/>
           </a:p>
         </p:txBody>
       </p:sp>
@@ -5389,7 +5434,7 @@
         </p:blipFill>
         <p:spPr>
           <a:xfrm>
-            <a:off x="2755557" y="933333"/>
+            <a:off x="2286000" y="1093971"/>
             <a:ext cx="3880708" cy="1895850"/>
           </a:xfrm>
           <a:prstGeom prst="rect">

--- a/materials/12 reticulate/12 Reticulate.pptx
+++ b/materials/12 reticulate/12 Reticulate.pptx
@@ -5,10 +5,10 @@
     <p:sldMasterId id="2147483648" r:id="rId1"/>
   </p:sldMasterIdLst>
   <p:notesMasterIdLst>
-    <p:notesMasterId r:id="rId13"/>
+    <p:notesMasterId r:id="rId18"/>
   </p:notesMasterIdLst>
   <p:handoutMasterIdLst>
-    <p:handoutMasterId r:id="rId14"/>
+    <p:handoutMasterId r:id="rId19"/>
   </p:handoutMasterIdLst>
   <p:sldIdLst>
     <p:sldId id="256" r:id="rId2"/>
@@ -22,6 +22,11 @@
     <p:sldId id="514" r:id="rId10"/>
     <p:sldId id="519" r:id="rId11"/>
     <p:sldId id="521" r:id="rId12"/>
+    <p:sldId id="522" r:id="rId13"/>
+    <p:sldId id="523" r:id="rId14"/>
+    <p:sldId id="524" r:id="rId15"/>
+    <p:sldId id="526" r:id="rId16"/>
+    <p:sldId id="525" r:id="rId17"/>
   </p:sldIdLst>
   <p:sldSz cx="9144000" cy="6858000" type="screen4x3"/>
   <p:notesSz cx="6858000" cy="9144000"/>
@@ -221,7 +226,7 @@
           <a:p>
             <a:fld id="{005845AE-ACE1-EC44-8625-84E41CDD46BF}" type="datetimeFigureOut">
               <a:rPr lang="en-US" smtClean="0"/>
-              <a:t>11/19/19</a:t>
+              <a:t>11/25/19</a:t>
             </a:fld>
             <a:endParaRPr lang="en-US"/>
           </a:p>
@@ -387,7 +392,7 @@
           <a:p>
             <a:fld id="{BBB7B6E1-B344-C444-840E-5BCE257718B4}" type="datetimeFigureOut">
               <a:rPr lang="en-US" smtClean="0"/>
-              <a:t>11/19/19</a:t>
+              <a:t>11/25/19</a:t>
             </a:fld>
             <a:endParaRPr lang="en-US"/>
           </a:p>
@@ -654,6 +659,174 @@
     </a:lvl9pPr>
   </p:notesStyle>
 </p:notesMaster>
+</file>
+
+<file path=ppt/notesSlides/notesSlide1.xml><?xml version="1.0" encoding="utf-8"?>
+<p:notes xmlns:a="http://schemas.openxmlformats.org/drawingml/2006/main" xmlns:r="http://schemas.openxmlformats.org/officeDocument/2006/relationships" xmlns:p="http://schemas.openxmlformats.org/presentationml/2006/main">
+  <p:cSld>
+    <p:spTree>
+      <p:nvGrpSpPr>
+        <p:cNvPr id="1" name=""/>
+        <p:cNvGrpSpPr/>
+        <p:nvPr/>
+      </p:nvGrpSpPr>
+      <p:grpSpPr>
+        <a:xfrm>
+          <a:off x="0" y="0"/>
+          <a:ext cx="0" cy="0"/>
+          <a:chOff x="0" y="0"/>
+          <a:chExt cx="0" cy="0"/>
+        </a:xfrm>
+      </p:grpSpPr>
+      <p:sp>
+        <p:nvSpPr>
+          <p:cNvPr id="2" name="Slide Image Placeholder 1"/>
+          <p:cNvSpPr>
+            <a:spLocks noGrp="1" noRot="1" noChangeAspect="1"/>
+          </p:cNvSpPr>
+          <p:nvPr>
+            <p:ph type="sldImg"/>
+          </p:nvPr>
+        </p:nvSpPr>
+        <p:spPr/>
+      </p:sp>
+      <p:sp>
+        <p:nvSpPr>
+          <p:cNvPr id="3" name="Notes Placeholder 2"/>
+          <p:cNvSpPr>
+            <a:spLocks noGrp="1"/>
+          </p:cNvSpPr>
+          <p:nvPr>
+            <p:ph type="body" idx="1"/>
+          </p:nvPr>
+        </p:nvSpPr>
+        <p:spPr/>
+        <p:txBody>
+          <a:bodyPr/>
+          <a:lstStyle/>
+          <a:p>
+            <a:endParaRPr lang="en-US" dirty="0"/>
+          </a:p>
+        </p:txBody>
+      </p:sp>
+      <p:sp>
+        <p:nvSpPr>
+          <p:cNvPr id="4" name="Slide Number Placeholder 3"/>
+          <p:cNvSpPr>
+            <a:spLocks noGrp="1"/>
+          </p:cNvSpPr>
+          <p:nvPr>
+            <p:ph type="sldNum" sz="quarter" idx="5"/>
+          </p:nvPr>
+        </p:nvSpPr>
+        <p:spPr/>
+        <p:txBody>
+          <a:bodyPr/>
+          <a:lstStyle/>
+          <a:p>
+            <a:fld id="{76818D25-F9F0-6E43-9906-4FDAFD99D1F5}" type="slidenum">
+              <a:rPr lang="en-US" smtClean="0"/>
+              <a:t>14</a:t>
+            </a:fld>
+            <a:endParaRPr lang="en-US"/>
+          </a:p>
+        </p:txBody>
+      </p:sp>
+    </p:spTree>
+    <p:extLst>
+      <p:ext uri="{BB962C8B-B14F-4D97-AF65-F5344CB8AC3E}">
+        <p14:creationId xmlns:p14="http://schemas.microsoft.com/office/powerpoint/2010/main" val="1322321275"/>
+      </p:ext>
+    </p:extLst>
+  </p:cSld>
+  <p:clrMapOvr>
+    <a:masterClrMapping/>
+  </p:clrMapOvr>
+</p:notes>
+</file>
+
+<file path=ppt/notesSlides/notesSlide2.xml><?xml version="1.0" encoding="utf-8"?>
+<p:notes xmlns:a="http://schemas.openxmlformats.org/drawingml/2006/main" xmlns:r="http://schemas.openxmlformats.org/officeDocument/2006/relationships" xmlns:p="http://schemas.openxmlformats.org/presentationml/2006/main">
+  <p:cSld>
+    <p:spTree>
+      <p:nvGrpSpPr>
+        <p:cNvPr id="1" name=""/>
+        <p:cNvGrpSpPr/>
+        <p:nvPr/>
+      </p:nvGrpSpPr>
+      <p:grpSpPr>
+        <a:xfrm>
+          <a:off x="0" y="0"/>
+          <a:ext cx="0" cy="0"/>
+          <a:chOff x="0" y="0"/>
+          <a:chExt cx="0" cy="0"/>
+        </a:xfrm>
+      </p:grpSpPr>
+      <p:sp>
+        <p:nvSpPr>
+          <p:cNvPr id="2" name="Slide Image Placeholder 1"/>
+          <p:cNvSpPr>
+            <a:spLocks noGrp="1" noRot="1" noChangeAspect="1"/>
+          </p:cNvSpPr>
+          <p:nvPr>
+            <p:ph type="sldImg"/>
+          </p:nvPr>
+        </p:nvSpPr>
+        <p:spPr/>
+      </p:sp>
+      <p:sp>
+        <p:nvSpPr>
+          <p:cNvPr id="3" name="Notes Placeholder 2"/>
+          <p:cNvSpPr>
+            <a:spLocks noGrp="1"/>
+          </p:cNvSpPr>
+          <p:nvPr>
+            <p:ph type="body" idx="1"/>
+          </p:nvPr>
+        </p:nvSpPr>
+        <p:spPr/>
+        <p:txBody>
+          <a:bodyPr/>
+          <a:lstStyle/>
+          <a:p>
+            <a:endParaRPr lang="en-US" dirty="0"/>
+          </a:p>
+        </p:txBody>
+      </p:sp>
+      <p:sp>
+        <p:nvSpPr>
+          <p:cNvPr id="4" name="Slide Number Placeholder 3"/>
+          <p:cNvSpPr>
+            <a:spLocks noGrp="1"/>
+          </p:cNvSpPr>
+          <p:nvPr>
+            <p:ph type="sldNum" sz="quarter" idx="5"/>
+          </p:nvPr>
+        </p:nvSpPr>
+        <p:spPr/>
+        <p:txBody>
+          <a:bodyPr/>
+          <a:lstStyle/>
+          <a:p>
+            <a:fld id="{76818D25-F9F0-6E43-9906-4FDAFD99D1F5}" type="slidenum">
+              <a:rPr lang="en-US" smtClean="0"/>
+              <a:t>15</a:t>
+            </a:fld>
+            <a:endParaRPr lang="en-US"/>
+          </a:p>
+        </p:txBody>
+      </p:sp>
+    </p:spTree>
+    <p:extLst>
+      <p:ext uri="{BB962C8B-B14F-4D97-AF65-F5344CB8AC3E}">
+        <p14:creationId xmlns:p14="http://schemas.microsoft.com/office/powerpoint/2010/main" val="3552469882"/>
+      </p:ext>
+    </p:extLst>
+  </p:cSld>
+  <p:clrMapOvr>
+    <a:masterClrMapping/>
+  </p:clrMapOvr>
+</p:notes>
 </file>
 
 <file path=ppt/slideLayouts/slideLayout1.xml><?xml version="1.0" encoding="utf-8"?>
@@ -4281,6 +4454,896 @@
     <p:extLst>
       <p:ext uri="{BB962C8B-B14F-4D97-AF65-F5344CB8AC3E}">
         <p14:creationId xmlns:p14="http://schemas.microsoft.com/office/powerpoint/2010/main" val="2843381250"/>
+      </p:ext>
+    </p:extLst>
+  </p:cSld>
+  <p:clrMapOvr>
+    <a:masterClrMapping/>
+  </p:clrMapOvr>
+</p:sld>
+</file>
+
+<file path=ppt/slides/slide12.xml><?xml version="1.0" encoding="utf-8"?>
+<p:sld xmlns:a="http://schemas.openxmlformats.org/drawingml/2006/main" xmlns:r="http://schemas.openxmlformats.org/officeDocument/2006/relationships" xmlns:p="http://schemas.openxmlformats.org/presentationml/2006/main">
+  <p:cSld>
+    <p:spTree>
+      <p:nvGrpSpPr>
+        <p:cNvPr id="1" name=""/>
+        <p:cNvGrpSpPr/>
+        <p:nvPr/>
+      </p:nvGrpSpPr>
+      <p:grpSpPr>
+        <a:xfrm>
+          <a:off x="0" y="0"/>
+          <a:ext cx="0" cy="0"/>
+          <a:chOff x="0" y="0"/>
+          <a:chExt cx="0" cy="0"/>
+        </a:xfrm>
+      </p:grpSpPr>
+      <p:sp>
+        <p:nvSpPr>
+          <p:cNvPr id="2" name="Title 1">
+            <a:extLst>
+              <a:ext uri="{FF2B5EF4-FFF2-40B4-BE49-F238E27FC236}">
+                <a16:creationId xmlns:a16="http://schemas.microsoft.com/office/drawing/2014/main" id="{80EAE729-7746-F846-B8F2-48DA07D91F84}"/>
+              </a:ext>
+            </a:extLst>
+          </p:cNvPr>
+          <p:cNvSpPr>
+            <a:spLocks noGrp="1"/>
+          </p:cNvSpPr>
+          <p:nvPr>
+            <p:ph type="title"/>
+          </p:nvPr>
+        </p:nvSpPr>
+        <p:spPr>
+          <a:xfrm>
+            <a:off x="457200" y="259494"/>
+            <a:ext cx="8229600" cy="1143000"/>
+          </a:xfrm>
+        </p:spPr>
+        <p:txBody>
+          <a:bodyPr>
+            <a:normAutofit fontScale="90000"/>
+          </a:bodyPr>
+          <a:lstStyle/>
+          <a:p>
+            <a:r>
+              <a:rPr lang="en-US" dirty="0"/>
+              <a:t>Course Summary</a:t>
+            </a:r>
+            <a:br>
+              <a:rPr lang="en-US" dirty="0"/>
+            </a:br>
+            <a:r>
+              <a:rPr lang="en-US" dirty="0"/>
+              <a:t>Part I - </a:t>
+            </a:r>
+            <a:r>
+              <a:rPr lang="en-US" i="1" dirty="0"/>
+              <a:t>Base R</a:t>
+            </a:r>
+          </a:p>
+        </p:txBody>
+      </p:sp>
+      <p:sp>
+        <p:nvSpPr>
+          <p:cNvPr id="4" name="Slide Number Placeholder 3">
+            <a:extLst>
+              <a:ext uri="{FF2B5EF4-FFF2-40B4-BE49-F238E27FC236}">
+                <a16:creationId xmlns:a16="http://schemas.microsoft.com/office/drawing/2014/main" id="{3C44B020-49C9-C249-AC07-3D8A48F6B8A7}"/>
+              </a:ext>
+            </a:extLst>
+          </p:cNvPr>
+          <p:cNvSpPr>
+            <a:spLocks noGrp="1"/>
+          </p:cNvSpPr>
+          <p:nvPr>
+            <p:ph type="sldNum" sz="quarter" idx="12"/>
+          </p:nvPr>
+        </p:nvSpPr>
+        <p:spPr/>
+        <p:txBody>
+          <a:bodyPr/>
+          <a:lstStyle/>
+          <a:p>
+            <a:fld id="{85C893B6-8239-B544-860F-8E6624F3670C}" type="slidenum">
+              <a:rPr lang="en-US" smtClean="0"/>
+              <a:t>12</a:t>
+            </a:fld>
+            <a:endParaRPr lang="en-US"/>
+          </a:p>
+        </p:txBody>
+      </p:sp>
+      <p:pic>
+        <p:nvPicPr>
+          <p:cNvPr id="6" name="Picture 5" descr="A picture containing knife&#10;&#10;Description automatically generated">
+            <a:extLst>
+              <a:ext uri="{FF2B5EF4-FFF2-40B4-BE49-F238E27FC236}">
+                <a16:creationId xmlns:a16="http://schemas.microsoft.com/office/drawing/2014/main" id="{A2B3B3F3-B41D-FF45-BF1E-F8D45A9EDC30}"/>
+              </a:ext>
+            </a:extLst>
+          </p:cNvPr>
+          <p:cNvPicPr>
+            <a:picLocks noChangeAspect="1"/>
+          </p:cNvPicPr>
+          <p:nvPr/>
+        </p:nvPicPr>
+        <p:blipFill>
+          <a:blip r:embed="rId2"/>
+          <a:stretch>
+            <a:fillRect/>
+          </a:stretch>
+        </p:blipFill>
+        <p:spPr>
+          <a:xfrm>
+            <a:off x="0" y="1528415"/>
+            <a:ext cx="9000000" cy="1114285"/>
+          </a:xfrm>
+          <a:prstGeom prst="rect">
+            <a:avLst/>
+          </a:prstGeom>
+        </p:spPr>
+      </p:pic>
+      <p:pic>
+        <p:nvPicPr>
+          <p:cNvPr id="10" name="Picture 9" descr="A close up of a logo&#10;&#10;Description automatically generated">
+            <a:extLst>
+              <a:ext uri="{FF2B5EF4-FFF2-40B4-BE49-F238E27FC236}">
+                <a16:creationId xmlns:a16="http://schemas.microsoft.com/office/drawing/2014/main" id="{C827C173-FF60-3943-B98E-4D43B8C92AB8}"/>
+              </a:ext>
+            </a:extLst>
+          </p:cNvPr>
+          <p:cNvPicPr>
+            <a:picLocks noChangeAspect="1"/>
+          </p:cNvPicPr>
+          <p:nvPr/>
+        </p:nvPicPr>
+        <p:blipFill>
+          <a:blip r:embed="rId3"/>
+          <a:stretch>
+            <a:fillRect/>
+          </a:stretch>
+        </p:blipFill>
+        <p:spPr>
+          <a:xfrm>
+            <a:off x="0" y="2755902"/>
+            <a:ext cx="9000000" cy="1117835"/>
+          </a:xfrm>
+          <a:prstGeom prst="rect">
+            <a:avLst/>
+          </a:prstGeom>
+        </p:spPr>
+      </p:pic>
+      <p:pic>
+        <p:nvPicPr>
+          <p:cNvPr id="12" name="Picture 11" descr="A close up of a logo&#10;&#10;Description automatically generated">
+            <a:extLst>
+              <a:ext uri="{FF2B5EF4-FFF2-40B4-BE49-F238E27FC236}">
+                <a16:creationId xmlns:a16="http://schemas.microsoft.com/office/drawing/2014/main" id="{1D5A3EF5-0950-F54E-84F0-2E8824501AF7}"/>
+              </a:ext>
+            </a:extLst>
+          </p:cNvPr>
+          <p:cNvPicPr>
+            <a:picLocks noChangeAspect="1"/>
+          </p:cNvPicPr>
+          <p:nvPr/>
+        </p:nvPicPr>
+        <p:blipFill>
+          <a:blip r:embed="rId4"/>
+          <a:stretch>
+            <a:fillRect/>
+          </a:stretch>
+        </p:blipFill>
+        <p:spPr>
+          <a:xfrm>
+            <a:off x="0" y="3986939"/>
+            <a:ext cx="9000000" cy="1168634"/>
+          </a:xfrm>
+          <a:prstGeom prst="rect">
+            <a:avLst/>
+          </a:prstGeom>
+        </p:spPr>
+      </p:pic>
+      <p:pic>
+        <p:nvPicPr>
+          <p:cNvPr id="14" name="Picture 13" descr="A close up of a logo&#10;&#10;Description automatically generated">
+            <a:extLst>
+              <a:ext uri="{FF2B5EF4-FFF2-40B4-BE49-F238E27FC236}">
+                <a16:creationId xmlns:a16="http://schemas.microsoft.com/office/drawing/2014/main" id="{708F4220-E37D-3E40-89AE-95645E5320B9}"/>
+              </a:ext>
+            </a:extLst>
+          </p:cNvPr>
+          <p:cNvPicPr>
+            <a:picLocks noChangeAspect="1"/>
+          </p:cNvPicPr>
+          <p:nvPr/>
+        </p:nvPicPr>
+        <p:blipFill>
+          <a:blip r:embed="rId5"/>
+          <a:stretch>
+            <a:fillRect/>
+          </a:stretch>
+        </p:blipFill>
+        <p:spPr>
+          <a:xfrm>
+            <a:off x="0" y="5268775"/>
+            <a:ext cx="9000000" cy="1145281"/>
+          </a:xfrm>
+          <a:prstGeom prst="rect">
+            <a:avLst/>
+          </a:prstGeom>
+        </p:spPr>
+      </p:pic>
+    </p:spTree>
+    <p:extLst>
+      <p:ext uri="{BB962C8B-B14F-4D97-AF65-F5344CB8AC3E}">
+        <p14:creationId xmlns:p14="http://schemas.microsoft.com/office/powerpoint/2010/main" val="225206363"/>
+      </p:ext>
+    </p:extLst>
+  </p:cSld>
+  <p:clrMapOvr>
+    <a:masterClrMapping/>
+  </p:clrMapOvr>
+</p:sld>
+</file>
+
+<file path=ppt/slides/slide13.xml><?xml version="1.0" encoding="utf-8"?>
+<p:sld xmlns:a="http://schemas.openxmlformats.org/drawingml/2006/main" xmlns:r="http://schemas.openxmlformats.org/officeDocument/2006/relationships" xmlns:p="http://schemas.openxmlformats.org/presentationml/2006/main">
+  <p:cSld>
+    <p:spTree>
+      <p:nvGrpSpPr>
+        <p:cNvPr id="1" name=""/>
+        <p:cNvGrpSpPr/>
+        <p:nvPr/>
+      </p:nvGrpSpPr>
+      <p:grpSpPr>
+        <a:xfrm>
+          <a:off x="0" y="0"/>
+          <a:ext cx="0" cy="0"/>
+          <a:chOff x="0" y="0"/>
+          <a:chExt cx="0" cy="0"/>
+        </a:xfrm>
+      </p:grpSpPr>
+      <p:sp>
+        <p:nvSpPr>
+          <p:cNvPr id="2" name="Title 1">
+            <a:extLst>
+              <a:ext uri="{FF2B5EF4-FFF2-40B4-BE49-F238E27FC236}">
+                <a16:creationId xmlns:a16="http://schemas.microsoft.com/office/drawing/2014/main" id="{80EAE729-7746-F846-B8F2-48DA07D91F84}"/>
+              </a:ext>
+            </a:extLst>
+          </p:cNvPr>
+          <p:cNvSpPr>
+            <a:spLocks noGrp="1"/>
+          </p:cNvSpPr>
+          <p:nvPr>
+            <p:ph type="title"/>
+          </p:nvPr>
+        </p:nvSpPr>
+        <p:spPr>
+          <a:xfrm>
+            <a:off x="457200" y="259494"/>
+            <a:ext cx="8229600" cy="1143000"/>
+          </a:xfrm>
+        </p:spPr>
+        <p:txBody>
+          <a:bodyPr>
+            <a:normAutofit fontScale="90000"/>
+          </a:bodyPr>
+          <a:lstStyle/>
+          <a:p>
+            <a:r>
+              <a:rPr lang="en-US" dirty="0"/>
+              <a:t>Course Summary</a:t>
+            </a:r>
+            <a:br>
+              <a:rPr lang="en-US" dirty="0"/>
+            </a:br>
+            <a:r>
+              <a:rPr lang="en-US" dirty="0"/>
+              <a:t>Part II – </a:t>
+            </a:r>
+            <a:r>
+              <a:rPr lang="en-US" i="1" dirty="0" err="1"/>
+              <a:t>tidyverse</a:t>
+            </a:r>
+            <a:endParaRPr lang="en-US" i="1" dirty="0"/>
+          </a:p>
+        </p:txBody>
+      </p:sp>
+      <p:sp>
+        <p:nvSpPr>
+          <p:cNvPr id="4" name="Slide Number Placeholder 3">
+            <a:extLst>
+              <a:ext uri="{FF2B5EF4-FFF2-40B4-BE49-F238E27FC236}">
+                <a16:creationId xmlns:a16="http://schemas.microsoft.com/office/drawing/2014/main" id="{3C44B020-49C9-C249-AC07-3D8A48F6B8A7}"/>
+              </a:ext>
+            </a:extLst>
+          </p:cNvPr>
+          <p:cNvSpPr>
+            <a:spLocks noGrp="1"/>
+          </p:cNvSpPr>
+          <p:nvPr>
+            <p:ph type="sldNum" sz="quarter" idx="12"/>
+          </p:nvPr>
+        </p:nvSpPr>
+        <p:spPr/>
+        <p:txBody>
+          <a:bodyPr/>
+          <a:lstStyle/>
+          <a:p>
+            <a:fld id="{85C893B6-8239-B544-860F-8E6624F3670C}" type="slidenum">
+              <a:rPr lang="en-US" smtClean="0"/>
+              <a:t>13</a:t>
+            </a:fld>
+            <a:endParaRPr lang="en-US"/>
+          </a:p>
+        </p:txBody>
+      </p:sp>
+      <p:pic>
+        <p:nvPicPr>
+          <p:cNvPr id="5" name="Picture 4" descr="A picture containing table&#10;&#10;Description automatically generated">
+            <a:extLst>
+              <a:ext uri="{FF2B5EF4-FFF2-40B4-BE49-F238E27FC236}">
+                <a16:creationId xmlns:a16="http://schemas.microsoft.com/office/drawing/2014/main" id="{BC07327A-182B-EF42-91FB-99E3D097438D}"/>
+              </a:ext>
+            </a:extLst>
+          </p:cNvPr>
+          <p:cNvPicPr>
+            <a:picLocks noChangeAspect="1"/>
+          </p:cNvPicPr>
+          <p:nvPr/>
+        </p:nvPicPr>
+        <p:blipFill>
+          <a:blip r:embed="rId2"/>
+          <a:stretch>
+            <a:fillRect/>
+          </a:stretch>
+        </p:blipFill>
+        <p:spPr>
+          <a:xfrm>
+            <a:off x="72000" y="1895676"/>
+            <a:ext cx="9000000" cy="1193001"/>
+          </a:xfrm>
+          <a:prstGeom prst="rect">
+            <a:avLst/>
+          </a:prstGeom>
+        </p:spPr>
+      </p:pic>
+      <p:pic>
+        <p:nvPicPr>
+          <p:cNvPr id="8" name="Picture 7" descr="A close up of a logo&#10;&#10;Description automatically generated">
+            <a:extLst>
+              <a:ext uri="{FF2B5EF4-FFF2-40B4-BE49-F238E27FC236}">
+                <a16:creationId xmlns:a16="http://schemas.microsoft.com/office/drawing/2014/main" id="{D33AD2B4-EBFE-9F44-9256-1019D61D9920}"/>
+              </a:ext>
+            </a:extLst>
+          </p:cNvPr>
+          <p:cNvPicPr>
+            <a:picLocks noChangeAspect="1"/>
+          </p:cNvPicPr>
+          <p:nvPr/>
+        </p:nvPicPr>
+        <p:blipFill>
+          <a:blip r:embed="rId3"/>
+          <a:stretch>
+            <a:fillRect/>
+          </a:stretch>
+        </p:blipFill>
+        <p:spPr>
+          <a:xfrm>
+            <a:off x="72000" y="3223110"/>
+            <a:ext cx="9000000" cy="1228572"/>
+          </a:xfrm>
+          <a:prstGeom prst="rect">
+            <a:avLst/>
+          </a:prstGeom>
+        </p:spPr>
+      </p:pic>
+      <p:pic>
+        <p:nvPicPr>
+          <p:cNvPr id="11" name="Picture 10" descr="A screenshot of a cell phone&#10;&#10;Description automatically generated">
+            <a:extLst>
+              <a:ext uri="{FF2B5EF4-FFF2-40B4-BE49-F238E27FC236}">
+                <a16:creationId xmlns:a16="http://schemas.microsoft.com/office/drawing/2014/main" id="{B91B9BE2-0EF4-184A-8524-E441E198328A}"/>
+              </a:ext>
+            </a:extLst>
+          </p:cNvPr>
+          <p:cNvPicPr>
+            <a:picLocks noChangeAspect="1"/>
+          </p:cNvPicPr>
+          <p:nvPr/>
+        </p:nvPicPr>
+        <p:blipFill>
+          <a:blip r:embed="rId4"/>
+          <a:stretch>
+            <a:fillRect/>
+          </a:stretch>
+        </p:blipFill>
+        <p:spPr>
+          <a:xfrm>
+            <a:off x="72000" y="4586115"/>
+            <a:ext cx="9000000" cy="1727848"/>
+          </a:xfrm>
+          <a:prstGeom prst="rect">
+            <a:avLst/>
+          </a:prstGeom>
+        </p:spPr>
+      </p:pic>
+    </p:spTree>
+    <p:extLst>
+      <p:ext uri="{BB962C8B-B14F-4D97-AF65-F5344CB8AC3E}">
+        <p14:creationId xmlns:p14="http://schemas.microsoft.com/office/powerpoint/2010/main" val="1699560992"/>
+      </p:ext>
+    </p:extLst>
+  </p:cSld>
+  <p:clrMapOvr>
+    <a:masterClrMapping/>
+  </p:clrMapOvr>
+</p:sld>
+</file>
+
+<file path=ppt/slides/slide14.xml><?xml version="1.0" encoding="utf-8"?>
+<p:sld xmlns:a="http://schemas.openxmlformats.org/drawingml/2006/main" xmlns:r="http://schemas.openxmlformats.org/officeDocument/2006/relationships" xmlns:p="http://schemas.openxmlformats.org/presentationml/2006/main">
+  <p:cSld>
+    <p:spTree>
+      <p:nvGrpSpPr>
+        <p:cNvPr id="1" name=""/>
+        <p:cNvGrpSpPr/>
+        <p:nvPr/>
+      </p:nvGrpSpPr>
+      <p:grpSpPr>
+        <a:xfrm>
+          <a:off x="0" y="0"/>
+          <a:ext cx="0" cy="0"/>
+          <a:chOff x="0" y="0"/>
+          <a:chExt cx="0" cy="0"/>
+        </a:xfrm>
+      </p:grpSpPr>
+      <p:sp>
+        <p:nvSpPr>
+          <p:cNvPr id="2" name="Title 1">
+            <a:extLst>
+              <a:ext uri="{FF2B5EF4-FFF2-40B4-BE49-F238E27FC236}">
+                <a16:creationId xmlns:a16="http://schemas.microsoft.com/office/drawing/2014/main" id="{80EAE729-7746-F846-B8F2-48DA07D91F84}"/>
+              </a:ext>
+            </a:extLst>
+          </p:cNvPr>
+          <p:cNvSpPr>
+            <a:spLocks noGrp="1"/>
+          </p:cNvSpPr>
+          <p:nvPr>
+            <p:ph type="title"/>
+          </p:nvPr>
+        </p:nvSpPr>
+        <p:spPr>
+          <a:xfrm>
+            <a:off x="457200" y="259494"/>
+            <a:ext cx="8229600" cy="1143000"/>
+          </a:xfrm>
+        </p:spPr>
+        <p:txBody>
+          <a:bodyPr>
+            <a:normAutofit fontScale="90000"/>
+          </a:bodyPr>
+          <a:lstStyle/>
+          <a:p>
+            <a:r>
+              <a:rPr lang="en-US" dirty="0"/>
+              <a:t>Course Summary</a:t>
+            </a:r>
+            <a:br>
+              <a:rPr lang="en-US" dirty="0"/>
+            </a:br>
+            <a:r>
+              <a:rPr lang="en-US" dirty="0"/>
+              <a:t>Part III – </a:t>
+            </a:r>
+            <a:r>
+              <a:rPr lang="en-US" i="1" dirty="0"/>
+              <a:t>Advanced R</a:t>
+            </a:r>
+          </a:p>
+        </p:txBody>
+      </p:sp>
+      <p:sp>
+        <p:nvSpPr>
+          <p:cNvPr id="4" name="Slide Number Placeholder 3">
+            <a:extLst>
+              <a:ext uri="{FF2B5EF4-FFF2-40B4-BE49-F238E27FC236}">
+                <a16:creationId xmlns:a16="http://schemas.microsoft.com/office/drawing/2014/main" id="{3C44B020-49C9-C249-AC07-3D8A48F6B8A7}"/>
+              </a:ext>
+            </a:extLst>
+          </p:cNvPr>
+          <p:cNvSpPr>
+            <a:spLocks noGrp="1"/>
+          </p:cNvSpPr>
+          <p:nvPr>
+            <p:ph type="sldNum" sz="quarter" idx="12"/>
+          </p:nvPr>
+        </p:nvSpPr>
+        <p:spPr/>
+        <p:txBody>
+          <a:bodyPr/>
+          <a:lstStyle/>
+          <a:p>
+            <a:fld id="{85C893B6-8239-B544-860F-8E6624F3670C}" type="slidenum">
+              <a:rPr lang="en-US" smtClean="0"/>
+              <a:t>14</a:t>
+            </a:fld>
+            <a:endParaRPr lang="en-US"/>
+          </a:p>
+        </p:txBody>
+      </p:sp>
+      <p:pic>
+        <p:nvPicPr>
+          <p:cNvPr id="6" name="Picture 5" descr="A picture containing table&#10;&#10;Description automatically generated">
+            <a:extLst>
+              <a:ext uri="{FF2B5EF4-FFF2-40B4-BE49-F238E27FC236}">
+                <a16:creationId xmlns:a16="http://schemas.microsoft.com/office/drawing/2014/main" id="{701E8E01-72CB-3346-92C8-C8792F4DEDA9}"/>
+              </a:ext>
+            </a:extLst>
+          </p:cNvPr>
+          <p:cNvPicPr>
+            <a:picLocks noChangeAspect="1"/>
+          </p:cNvPicPr>
+          <p:nvPr/>
+        </p:nvPicPr>
+        <p:blipFill>
+          <a:blip r:embed="rId3"/>
+          <a:stretch>
+            <a:fillRect/>
+          </a:stretch>
+        </p:blipFill>
+        <p:spPr>
+          <a:xfrm>
+            <a:off x="149273" y="1884313"/>
+            <a:ext cx="9000000" cy="1240721"/>
+          </a:xfrm>
+          <a:prstGeom prst="rect">
+            <a:avLst/>
+          </a:prstGeom>
+        </p:spPr>
+      </p:pic>
+      <p:pic>
+        <p:nvPicPr>
+          <p:cNvPr id="9" name="Picture 8" descr="A close up of a logo&#10;&#10;Description automatically generated">
+            <a:extLst>
+              <a:ext uri="{FF2B5EF4-FFF2-40B4-BE49-F238E27FC236}">
+                <a16:creationId xmlns:a16="http://schemas.microsoft.com/office/drawing/2014/main" id="{66590963-069D-BE44-88D3-3BD3893E70FF}"/>
+              </a:ext>
+            </a:extLst>
+          </p:cNvPr>
+          <p:cNvPicPr>
+            <a:picLocks noChangeAspect="1"/>
+          </p:cNvPicPr>
+          <p:nvPr/>
+        </p:nvPicPr>
+        <p:blipFill>
+          <a:blip r:embed="rId4"/>
+          <a:stretch>
+            <a:fillRect/>
+          </a:stretch>
+        </p:blipFill>
+        <p:spPr>
+          <a:xfrm>
+            <a:off x="149273" y="3317997"/>
+            <a:ext cx="9000000" cy="1147524"/>
+          </a:xfrm>
+          <a:prstGeom prst="rect">
+            <a:avLst/>
+          </a:prstGeom>
+        </p:spPr>
+      </p:pic>
+      <p:pic>
+        <p:nvPicPr>
+          <p:cNvPr id="12" name="Picture 11" descr="A close up of a logo&#10;&#10;Description automatically generated">
+            <a:extLst>
+              <a:ext uri="{FF2B5EF4-FFF2-40B4-BE49-F238E27FC236}">
+                <a16:creationId xmlns:a16="http://schemas.microsoft.com/office/drawing/2014/main" id="{BF054768-7307-BA4A-9342-F71325CEA2EC}"/>
+              </a:ext>
+            </a:extLst>
+          </p:cNvPr>
+          <p:cNvPicPr>
+            <a:picLocks noChangeAspect="1"/>
+          </p:cNvPicPr>
+          <p:nvPr/>
+        </p:nvPicPr>
+        <p:blipFill>
+          <a:blip r:embed="rId5"/>
+          <a:stretch>
+            <a:fillRect/>
+          </a:stretch>
+        </p:blipFill>
+        <p:spPr>
+          <a:xfrm>
+            <a:off x="149273" y="4658483"/>
+            <a:ext cx="9000000" cy="1255814"/>
+          </a:xfrm>
+          <a:prstGeom prst="rect">
+            <a:avLst/>
+          </a:prstGeom>
+        </p:spPr>
+      </p:pic>
+    </p:spTree>
+    <p:extLst>
+      <p:ext uri="{BB962C8B-B14F-4D97-AF65-F5344CB8AC3E}">
+        <p14:creationId xmlns:p14="http://schemas.microsoft.com/office/powerpoint/2010/main" val="1033570283"/>
+      </p:ext>
+    </p:extLst>
+  </p:cSld>
+  <p:clrMapOvr>
+    <a:masterClrMapping/>
+  </p:clrMapOvr>
+</p:sld>
+</file>
+
+<file path=ppt/slides/slide15.xml><?xml version="1.0" encoding="utf-8"?>
+<p:sld xmlns:a="http://schemas.openxmlformats.org/drawingml/2006/main" xmlns:r="http://schemas.openxmlformats.org/officeDocument/2006/relationships" xmlns:p="http://schemas.openxmlformats.org/presentationml/2006/main">
+  <p:cSld>
+    <p:spTree>
+      <p:nvGrpSpPr>
+        <p:cNvPr id="1" name=""/>
+        <p:cNvGrpSpPr/>
+        <p:nvPr/>
+      </p:nvGrpSpPr>
+      <p:grpSpPr>
+        <a:xfrm>
+          <a:off x="0" y="0"/>
+          <a:ext cx="0" cy="0"/>
+          <a:chOff x="0" y="0"/>
+          <a:chExt cx="0" cy="0"/>
+        </a:xfrm>
+      </p:grpSpPr>
+      <p:sp>
+        <p:nvSpPr>
+          <p:cNvPr id="2" name="Title 1">
+            <a:extLst>
+              <a:ext uri="{FF2B5EF4-FFF2-40B4-BE49-F238E27FC236}">
+                <a16:creationId xmlns:a16="http://schemas.microsoft.com/office/drawing/2014/main" id="{80EAE729-7746-F846-B8F2-48DA07D91F84}"/>
+              </a:ext>
+            </a:extLst>
+          </p:cNvPr>
+          <p:cNvSpPr>
+            <a:spLocks noGrp="1"/>
+          </p:cNvSpPr>
+          <p:nvPr>
+            <p:ph type="title"/>
+          </p:nvPr>
+        </p:nvSpPr>
+        <p:spPr>
+          <a:xfrm>
+            <a:off x="457200" y="259494"/>
+            <a:ext cx="8229600" cy="1143000"/>
+          </a:xfrm>
+        </p:spPr>
+        <p:txBody>
+          <a:bodyPr>
+            <a:normAutofit fontScale="90000"/>
+          </a:bodyPr>
+          <a:lstStyle/>
+          <a:p>
+            <a:r>
+              <a:rPr lang="en-US" dirty="0"/>
+              <a:t>Course Summary</a:t>
+            </a:r>
+            <a:br>
+              <a:rPr lang="en-US" dirty="0"/>
+            </a:br>
+            <a:r>
+              <a:rPr lang="en-US" dirty="0"/>
+              <a:t>Part IV – </a:t>
+            </a:r>
+            <a:r>
+              <a:rPr lang="en-US" i="1" dirty="0"/>
+              <a:t>Developing Apps</a:t>
+            </a:r>
+          </a:p>
+        </p:txBody>
+      </p:sp>
+      <p:sp>
+        <p:nvSpPr>
+          <p:cNvPr id="4" name="Slide Number Placeholder 3">
+            <a:extLst>
+              <a:ext uri="{FF2B5EF4-FFF2-40B4-BE49-F238E27FC236}">
+                <a16:creationId xmlns:a16="http://schemas.microsoft.com/office/drawing/2014/main" id="{3C44B020-49C9-C249-AC07-3D8A48F6B8A7}"/>
+              </a:ext>
+            </a:extLst>
+          </p:cNvPr>
+          <p:cNvSpPr>
+            <a:spLocks noGrp="1"/>
+          </p:cNvSpPr>
+          <p:nvPr>
+            <p:ph type="sldNum" sz="quarter" idx="12"/>
+          </p:nvPr>
+        </p:nvSpPr>
+        <p:spPr/>
+        <p:txBody>
+          <a:bodyPr/>
+          <a:lstStyle/>
+          <a:p>
+            <a:fld id="{85C893B6-8239-B544-860F-8E6624F3670C}" type="slidenum">
+              <a:rPr lang="en-US" smtClean="0"/>
+              <a:t>15</a:t>
+            </a:fld>
+            <a:endParaRPr lang="en-US"/>
+          </a:p>
+        </p:txBody>
+      </p:sp>
+      <p:pic>
+        <p:nvPicPr>
+          <p:cNvPr id="14" name="Picture 13" descr="A close up of a logo&#10;&#10;Description automatically generated">
+            <a:extLst>
+              <a:ext uri="{FF2B5EF4-FFF2-40B4-BE49-F238E27FC236}">
+                <a16:creationId xmlns:a16="http://schemas.microsoft.com/office/drawing/2014/main" id="{B26CEE80-09DC-BD46-869D-AB695B51688D}"/>
+              </a:ext>
+            </a:extLst>
+          </p:cNvPr>
+          <p:cNvPicPr>
+            <a:picLocks noChangeAspect="1"/>
+          </p:cNvPicPr>
+          <p:nvPr/>
+        </p:nvPicPr>
+        <p:blipFill>
+          <a:blip r:embed="rId3"/>
+          <a:stretch>
+            <a:fillRect/>
+          </a:stretch>
+        </p:blipFill>
+        <p:spPr>
+          <a:xfrm>
+            <a:off x="123515" y="2355760"/>
+            <a:ext cx="9000000" cy="1200000"/>
+          </a:xfrm>
+          <a:prstGeom prst="rect">
+            <a:avLst/>
+          </a:prstGeom>
+        </p:spPr>
+      </p:pic>
+      <p:pic>
+        <p:nvPicPr>
+          <p:cNvPr id="5" name="Picture 4" descr="A screenshot of a cell phone&#10;&#10;Description automatically generated">
+            <a:extLst>
+              <a:ext uri="{FF2B5EF4-FFF2-40B4-BE49-F238E27FC236}">
+                <a16:creationId xmlns:a16="http://schemas.microsoft.com/office/drawing/2014/main" id="{17E54F40-8125-1143-A51F-C234F61E777F}"/>
+              </a:ext>
+            </a:extLst>
+          </p:cNvPr>
+          <p:cNvPicPr>
+            <a:picLocks noChangeAspect="1"/>
+          </p:cNvPicPr>
+          <p:nvPr/>
+        </p:nvPicPr>
+        <p:blipFill>
+          <a:blip r:embed="rId4"/>
+          <a:stretch>
+            <a:fillRect/>
+          </a:stretch>
+        </p:blipFill>
+        <p:spPr>
+          <a:xfrm>
+            <a:off x="123515" y="4175879"/>
+            <a:ext cx="9000000" cy="1191737"/>
+          </a:xfrm>
+          <a:prstGeom prst="rect">
+            <a:avLst/>
+          </a:prstGeom>
+        </p:spPr>
+      </p:pic>
+    </p:spTree>
+    <p:extLst>
+      <p:ext uri="{BB962C8B-B14F-4D97-AF65-F5344CB8AC3E}">
+        <p14:creationId xmlns:p14="http://schemas.microsoft.com/office/powerpoint/2010/main" val="599509636"/>
+      </p:ext>
+    </p:extLst>
+  </p:cSld>
+  <p:clrMapOvr>
+    <a:masterClrMapping/>
+  </p:clrMapOvr>
+</p:sld>
+</file>
+
+<file path=ppt/slides/slide16.xml><?xml version="1.0" encoding="utf-8"?>
+<p:sld xmlns:a="http://schemas.openxmlformats.org/drawingml/2006/main" xmlns:r="http://schemas.openxmlformats.org/officeDocument/2006/relationships" xmlns:p="http://schemas.openxmlformats.org/presentationml/2006/main">
+  <p:cSld>
+    <p:spTree>
+      <p:nvGrpSpPr>
+        <p:cNvPr id="1" name=""/>
+        <p:cNvGrpSpPr/>
+        <p:nvPr/>
+      </p:nvGrpSpPr>
+      <p:grpSpPr>
+        <a:xfrm>
+          <a:off x="0" y="0"/>
+          <a:ext cx="0" cy="0"/>
+          <a:chOff x="0" y="0"/>
+          <a:chExt cx="0" cy="0"/>
+        </a:xfrm>
+      </p:grpSpPr>
+      <p:sp>
+        <p:nvSpPr>
+          <p:cNvPr id="2" name="Title 1">
+            <a:extLst>
+              <a:ext uri="{FF2B5EF4-FFF2-40B4-BE49-F238E27FC236}">
+                <a16:creationId xmlns:a16="http://schemas.microsoft.com/office/drawing/2014/main" id="{5553CE99-3C70-BB4D-A620-EE0530589A90}"/>
+              </a:ext>
+            </a:extLst>
+          </p:cNvPr>
+          <p:cNvSpPr>
+            <a:spLocks noGrp="1"/>
+          </p:cNvSpPr>
+          <p:nvPr>
+            <p:ph type="title"/>
+          </p:nvPr>
+        </p:nvSpPr>
+        <p:spPr/>
+        <p:txBody>
+          <a:bodyPr/>
+          <a:lstStyle/>
+          <a:p>
+            <a:endParaRPr lang="en-US"/>
+          </a:p>
+        </p:txBody>
+      </p:sp>
+      <p:sp>
+        <p:nvSpPr>
+          <p:cNvPr id="3" name="Content Placeholder 2">
+            <a:extLst>
+              <a:ext uri="{FF2B5EF4-FFF2-40B4-BE49-F238E27FC236}">
+                <a16:creationId xmlns:a16="http://schemas.microsoft.com/office/drawing/2014/main" id="{73782E84-B4C3-C949-8E78-A7B282BE8546}"/>
+              </a:ext>
+            </a:extLst>
+          </p:cNvPr>
+          <p:cNvSpPr>
+            <a:spLocks noGrp="1"/>
+          </p:cNvSpPr>
+          <p:nvPr>
+            <p:ph idx="1"/>
+          </p:nvPr>
+        </p:nvSpPr>
+        <p:spPr/>
+        <p:txBody>
+          <a:bodyPr/>
+          <a:lstStyle/>
+          <a:p>
+            <a:endParaRPr lang="en-US"/>
+          </a:p>
+        </p:txBody>
+      </p:sp>
+      <p:sp>
+        <p:nvSpPr>
+          <p:cNvPr id="4" name="Slide Number Placeholder 3">
+            <a:extLst>
+              <a:ext uri="{FF2B5EF4-FFF2-40B4-BE49-F238E27FC236}">
+                <a16:creationId xmlns:a16="http://schemas.microsoft.com/office/drawing/2014/main" id="{7706070A-6599-8E48-A22D-8149784FE700}"/>
+              </a:ext>
+            </a:extLst>
+          </p:cNvPr>
+          <p:cNvSpPr>
+            <a:spLocks noGrp="1"/>
+          </p:cNvSpPr>
+          <p:nvPr>
+            <p:ph type="sldNum" sz="quarter" idx="12"/>
+          </p:nvPr>
+        </p:nvSpPr>
+        <p:spPr/>
+        <p:txBody>
+          <a:bodyPr/>
+          <a:lstStyle/>
+          <a:p>
+            <a:fld id="{85C893B6-8239-B544-860F-8E6624F3670C}" type="slidenum">
+              <a:rPr lang="en-US" smtClean="0"/>
+              <a:t>16</a:t>
+            </a:fld>
+            <a:endParaRPr lang="en-US"/>
+          </a:p>
+        </p:txBody>
+      </p:sp>
+    </p:spTree>
+    <p:extLst>
+      <p:ext uri="{BB962C8B-B14F-4D97-AF65-F5344CB8AC3E}">
+        <p14:creationId xmlns:p14="http://schemas.microsoft.com/office/powerpoint/2010/main" val="599419265"/>
       </p:ext>
     </p:extLst>
   </p:cSld>

--- a/materials/12 reticulate/12 Reticulate.pptx
+++ b/materials/12 reticulate/12 Reticulate.pptx
@@ -5,10 +5,10 @@
     <p:sldMasterId id="2147483648" r:id="rId1"/>
   </p:sldMasterIdLst>
   <p:notesMasterIdLst>
-    <p:notesMasterId r:id="rId18"/>
+    <p:notesMasterId r:id="rId17"/>
   </p:notesMasterIdLst>
   <p:handoutMasterIdLst>
-    <p:handoutMasterId r:id="rId19"/>
+    <p:handoutMasterId r:id="rId18"/>
   </p:handoutMasterIdLst>
   <p:sldIdLst>
     <p:sldId id="256" r:id="rId2"/>
@@ -26,7 +26,6 @@
     <p:sldId id="523" r:id="rId14"/>
     <p:sldId id="524" r:id="rId15"/>
     <p:sldId id="526" r:id="rId16"/>
-    <p:sldId id="525" r:id="rId17"/>
   </p:sldIdLst>
   <p:sldSz cx="9144000" cy="6858000" type="screen4x3"/>
   <p:notesSz cx="6858000" cy="9144000"/>
@@ -5235,115 +5234,6 @@
     <p:extLst>
       <p:ext uri="{BB962C8B-B14F-4D97-AF65-F5344CB8AC3E}">
         <p14:creationId xmlns:p14="http://schemas.microsoft.com/office/powerpoint/2010/main" val="599509636"/>
-      </p:ext>
-    </p:extLst>
-  </p:cSld>
-  <p:clrMapOvr>
-    <a:masterClrMapping/>
-  </p:clrMapOvr>
-</p:sld>
-</file>
-
-<file path=ppt/slides/slide16.xml><?xml version="1.0" encoding="utf-8"?>
-<p:sld xmlns:a="http://schemas.openxmlformats.org/drawingml/2006/main" xmlns:r="http://schemas.openxmlformats.org/officeDocument/2006/relationships" xmlns:p="http://schemas.openxmlformats.org/presentationml/2006/main">
-  <p:cSld>
-    <p:spTree>
-      <p:nvGrpSpPr>
-        <p:cNvPr id="1" name=""/>
-        <p:cNvGrpSpPr/>
-        <p:nvPr/>
-      </p:nvGrpSpPr>
-      <p:grpSpPr>
-        <a:xfrm>
-          <a:off x="0" y="0"/>
-          <a:ext cx="0" cy="0"/>
-          <a:chOff x="0" y="0"/>
-          <a:chExt cx="0" cy="0"/>
-        </a:xfrm>
-      </p:grpSpPr>
-      <p:sp>
-        <p:nvSpPr>
-          <p:cNvPr id="2" name="Title 1">
-            <a:extLst>
-              <a:ext uri="{FF2B5EF4-FFF2-40B4-BE49-F238E27FC236}">
-                <a16:creationId xmlns:a16="http://schemas.microsoft.com/office/drawing/2014/main" id="{5553CE99-3C70-BB4D-A620-EE0530589A90}"/>
-              </a:ext>
-            </a:extLst>
-          </p:cNvPr>
-          <p:cNvSpPr>
-            <a:spLocks noGrp="1"/>
-          </p:cNvSpPr>
-          <p:nvPr>
-            <p:ph type="title"/>
-          </p:nvPr>
-        </p:nvSpPr>
-        <p:spPr/>
-        <p:txBody>
-          <a:bodyPr/>
-          <a:lstStyle/>
-          <a:p>
-            <a:endParaRPr lang="en-US"/>
-          </a:p>
-        </p:txBody>
-      </p:sp>
-      <p:sp>
-        <p:nvSpPr>
-          <p:cNvPr id="3" name="Content Placeholder 2">
-            <a:extLst>
-              <a:ext uri="{FF2B5EF4-FFF2-40B4-BE49-F238E27FC236}">
-                <a16:creationId xmlns:a16="http://schemas.microsoft.com/office/drawing/2014/main" id="{73782E84-B4C3-C949-8E78-A7B282BE8546}"/>
-              </a:ext>
-            </a:extLst>
-          </p:cNvPr>
-          <p:cNvSpPr>
-            <a:spLocks noGrp="1"/>
-          </p:cNvSpPr>
-          <p:nvPr>
-            <p:ph idx="1"/>
-          </p:nvPr>
-        </p:nvSpPr>
-        <p:spPr/>
-        <p:txBody>
-          <a:bodyPr/>
-          <a:lstStyle/>
-          <a:p>
-            <a:endParaRPr lang="en-US"/>
-          </a:p>
-        </p:txBody>
-      </p:sp>
-      <p:sp>
-        <p:nvSpPr>
-          <p:cNvPr id="4" name="Slide Number Placeholder 3">
-            <a:extLst>
-              <a:ext uri="{FF2B5EF4-FFF2-40B4-BE49-F238E27FC236}">
-                <a16:creationId xmlns:a16="http://schemas.microsoft.com/office/drawing/2014/main" id="{7706070A-6599-8E48-A22D-8149784FE700}"/>
-              </a:ext>
-            </a:extLst>
-          </p:cNvPr>
-          <p:cNvSpPr>
-            <a:spLocks noGrp="1"/>
-          </p:cNvSpPr>
-          <p:nvPr>
-            <p:ph type="sldNum" sz="quarter" idx="12"/>
-          </p:nvPr>
-        </p:nvSpPr>
-        <p:spPr/>
-        <p:txBody>
-          <a:bodyPr/>
-          <a:lstStyle/>
-          <a:p>
-            <a:fld id="{85C893B6-8239-B544-860F-8E6624F3670C}" type="slidenum">
-              <a:rPr lang="en-US" smtClean="0"/>
-              <a:t>16</a:t>
-            </a:fld>
-            <a:endParaRPr lang="en-US"/>
-          </a:p>
-        </p:txBody>
-      </p:sp>
-    </p:spTree>
-    <p:extLst>
-      <p:ext uri="{BB962C8B-B14F-4D97-AF65-F5344CB8AC3E}">
-        <p14:creationId xmlns:p14="http://schemas.microsoft.com/office/powerpoint/2010/main" val="599419265"/>
       </p:ext>
     </p:extLst>
   </p:cSld>
